--- a/112-2/MI5126701 人工智慧與深度學習/W2 0226/0226back propagation on a computational graph.pptx
+++ b/112-2/MI5126701 人工智慧與深度學習/W2 0226/0226back propagation on a computational graph.pptx
@@ -313,6 +313,11 @@
       </a:defRPr>
     </a:lvl9pPr>
   </p:defaultTextStyle>
+  <p:extLst>
+    <p:ext uri="{EFAFB233-063F-42B5-8137-9DF3F51BA10A}">
+      <p15:sldGuideLst xmlns:p15="http://schemas.microsoft.com/office/powerpoint/2012/main"/>
+    </p:ext>
+  </p:extLst>
 </p:presentation>
 </file>
 
@@ -2866,8 +2871,8 @@
         </p:nvSpPr>
         <p:spPr>
           <a:xfrm>
-            <a:off x="1143000" y="685800"/>
-            <a:ext cx="4572000" cy="3429000"/>
+            <a:off x="381000" y="685800"/>
+            <a:ext cx="6096000" cy="3429000"/>
           </a:xfrm>
           <a:custGeom>
             <a:avLst/>
@@ -2941,7 +2946,272 @@
               <a:buNone/>
             </a:pPr>
             <a:r>
-              <a:rPr lang="en" sz="2200" b="0" i="0" u="none" strike="noStrike" cap="none">
+              <a:rPr lang="en" sz="2200" b="0" i="0" u="none" strike="noStrike" cap="none" dirty="0">
+                <a:latin typeface="Helvetica Neue"/>
+                <a:ea typeface="Helvetica Neue"/>
+                <a:cs typeface="Helvetica Neue"/>
+                <a:sym typeface="Helvetica Neue"/>
+              </a:rPr>
+              <a:t>X Y W</a:t>
+            </a:r>
+            <a:r>
+              <a:rPr lang="zh-TW" altLang="en-US" sz="2200" b="0" i="0" u="none" strike="noStrike" cap="none" dirty="0">
+                <a:latin typeface="Helvetica Neue"/>
+                <a:ea typeface="Helvetica Neue"/>
+                <a:cs typeface="Helvetica Neue"/>
+                <a:sym typeface="Helvetica Neue"/>
+              </a:rPr>
+              <a:t>是他給的 </a:t>
+            </a:r>
+            <a:endParaRPr lang="en-US" altLang="zh-TW" sz="2200" b="0" i="0" u="none" strike="noStrike" cap="none" dirty="0">
+              <a:latin typeface="Helvetica Neue"/>
+              <a:ea typeface="Helvetica Neue"/>
+              <a:cs typeface="Helvetica Neue"/>
+              <a:sym typeface="Helvetica Neue"/>
+            </a:endParaRPr>
+          </a:p>
+          <a:p>
+            <a:pPr marL="0" marR="0" lvl="0" indent="0" algn="l" rtl="0">
+              <a:lnSpc>
+                <a:spcPct val="117999"/>
+              </a:lnSpc>
+              <a:spcBef>
+                <a:spcPts val="0"/>
+              </a:spcBef>
+              <a:spcAft>
+                <a:spcPts val="0"/>
+              </a:spcAft>
+              <a:buNone/>
+            </a:pPr>
+            <a:r>
+              <a:rPr lang="en-US" altLang="zh-TW" sz="2200" b="0" i="0" u="none" strike="noStrike" cap="none" dirty="0">
+                <a:latin typeface="Helvetica Neue"/>
+                <a:ea typeface="Helvetica Neue"/>
+                <a:cs typeface="Helvetica Neue"/>
+                <a:sym typeface="Helvetica Neue"/>
+              </a:rPr>
+              <a:t>Y hat = X*W </a:t>
+            </a:r>
+          </a:p>
+          <a:p>
+            <a:pPr marL="0" marR="0" lvl="0" indent="0" algn="l" rtl="0">
+              <a:lnSpc>
+                <a:spcPct val="117999"/>
+              </a:lnSpc>
+              <a:spcBef>
+                <a:spcPts val="0"/>
+              </a:spcBef>
+              <a:spcAft>
+                <a:spcPts val="0"/>
+              </a:spcAft>
+              <a:buNone/>
+            </a:pPr>
+            <a:r>
+              <a:rPr lang="en" sz="2200" b="0" i="0" u="none" strike="noStrike" cap="none" dirty="0">
+                <a:latin typeface="Helvetica Neue"/>
+                <a:ea typeface="Helvetica Neue"/>
+                <a:cs typeface="Helvetica Neue"/>
+                <a:sym typeface="Helvetica Neue"/>
+              </a:rPr>
+              <a:t>y</a:t>
+            </a:r>
+            <a:r>
+              <a:rPr lang="zh-TW" altLang="en-US" sz="2200" b="0" i="0" u="none" strike="noStrike" cap="none" dirty="0">
+                <a:latin typeface="Helvetica Neue"/>
+                <a:ea typeface="Helvetica Neue"/>
+                <a:cs typeface="Helvetica Neue"/>
+                <a:sym typeface="Helvetica Neue"/>
+              </a:rPr>
+              <a:t>是他原本給的答案 </a:t>
+            </a:r>
+            <a:r>
+              <a:rPr lang="en-US" altLang="zh-TW" sz="2200" b="0" i="0" u="none" strike="noStrike" cap="none" dirty="0">
+                <a:latin typeface="Helvetica Neue"/>
+                <a:ea typeface="Helvetica Neue"/>
+                <a:cs typeface="Helvetica Neue"/>
+                <a:sym typeface="Helvetica Neue"/>
+              </a:rPr>
+              <a:t>y hat </a:t>
+            </a:r>
+            <a:r>
+              <a:rPr lang="zh-TW" altLang="en-US" sz="2200" b="0" i="0" u="none" strike="noStrike" cap="none" dirty="0">
+                <a:latin typeface="Helvetica Neue"/>
+                <a:ea typeface="Helvetica Neue"/>
+                <a:cs typeface="Helvetica Neue"/>
+                <a:sym typeface="Helvetica Neue"/>
+              </a:rPr>
+              <a:t>有點像是我們求出來的值</a:t>
+            </a:r>
+            <a:endParaRPr lang="en-US" altLang="zh-TW" sz="2200" b="0" i="0" u="none" strike="noStrike" cap="none" dirty="0">
+              <a:latin typeface="Helvetica Neue"/>
+              <a:ea typeface="Helvetica Neue"/>
+              <a:cs typeface="Helvetica Neue"/>
+              <a:sym typeface="Helvetica Neue"/>
+            </a:endParaRPr>
+          </a:p>
+          <a:p>
+            <a:pPr marL="0" marR="0" lvl="0" indent="0" algn="l" rtl="0">
+              <a:lnSpc>
+                <a:spcPct val="117999"/>
+              </a:lnSpc>
+              <a:spcBef>
+                <a:spcPts val="0"/>
+              </a:spcBef>
+              <a:spcAft>
+                <a:spcPts val="0"/>
+              </a:spcAft>
+              <a:buNone/>
+            </a:pPr>
+            <a:r>
+              <a:rPr lang="zh-TW" altLang="en-US" sz="2200" b="0" i="0" u="none" strike="noStrike" cap="none" dirty="0">
+                <a:latin typeface="Helvetica Neue"/>
+                <a:ea typeface="Helvetica Neue"/>
+                <a:cs typeface="Helvetica Neue"/>
+                <a:sym typeface="Helvetica Neue"/>
+              </a:rPr>
+              <a:t>長的很醜的微積分可以想像成 要把大量資料整理成有價值的內容可以用答案</a:t>
+            </a:r>
+            <a:r>
+              <a:rPr lang="en-US" altLang="zh-TW" sz="2200" b="0" i="0" u="none" strike="noStrike" cap="none" dirty="0">
+                <a:latin typeface="Helvetica Neue"/>
+                <a:ea typeface="Helvetica Neue"/>
+                <a:cs typeface="Helvetica Neue"/>
+                <a:sym typeface="Helvetica Neue"/>
+              </a:rPr>
+              <a:t>(</a:t>
+            </a:r>
+            <a:r>
+              <a:rPr lang="zh-TW" altLang="en-US" sz="2200" b="0" i="0" u="none" strike="noStrike" cap="none" dirty="0">
+                <a:latin typeface="Helvetica Neue"/>
+                <a:ea typeface="Helvetica Neue"/>
+                <a:cs typeface="Helvetica Neue"/>
+                <a:sym typeface="Helvetica Neue"/>
+              </a:rPr>
+              <a:t>他給的實際值</a:t>
+            </a:r>
+            <a:r>
+              <a:rPr lang="en-US" altLang="zh-TW" sz="2200" b="0" i="0" u="none" strike="noStrike" cap="none" dirty="0">
+                <a:latin typeface="Helvetica Neue"/>
+                <a:ea typeface="Helvetica Neue"/>
+                <a:cs typeface="Helvetica Neue"/>
+                <a:sym typeface="Helvetica Neue"/>
+              </a:rPr>
+              <a:t>)</a:t>
+            </a:r>
+            <a:r>
+              <a:rPr lang="zh-TW" altLang="en-US" sz="2200" b="0" i="0" u="none" strike="noStrike" cap="none" dirty="0">
+                <a:latin typeface="Helvetica Neue"/>
+                <a:ea typeface="Helvetica Neue"/>
+                <a:cs typeface="Helvetica Neue"/>
+                <a:sym typeface="Helvetica Neue"/>
+              </a:rPr>
+              <a:t>和預測出來的值求出誤差</a:t>
+            </a:r>
+            <a:r>
+              <a:rPr lang="en-US" altLang="zh-TW" sz="2200" b="0" i="0" u="none" strike="noStrike" cap="none" dirty="0">
+                <a:latin typeface="Helvetica Neue"/>
+                <a:ea typeface="Helvetica Neue"/>
+                <a:cs typeface="Helvetica Neue"/>
+                <a:sym typeface="Helvetica Neue"/>
+              </a:rPr>
+              <a:t>s=( </a:t>
+            </a:r>
+            <a:r>
+              <a:rPr lang="en-US" altLang="zh-TW" sz="2200" b="0" i="0" u="none" strike="noStrike" cap="none" dirty="0" err="1">
+                <a:latin typeface="Helvetica Neue"/>
+                <a:ea typeface="Helvetica Neue"/>
+                <a:cs typeface="Helvetica Neue"/>
+                <a:sym typeface="Helvetica Neue"/>
+              </a:rPr>
+              <a:t>yhat</a:t>
+            </a:r>
+            <a:r>
+              <a:rPr lang="en-US" altLang="zh-TW" sz="2200" b="0" i="0" u="none" strike="noStrike" cap="none" dirty="0">
+                <a:latin typeface="Helvetica Neue"/>
+                <a:ea typeface="Helvetica Neue"/>
+                <a:cs typeface="Helvetica Neue"/>
+                <a:sym typeface="Helvetica Neue"/>
+              </a:rPr>
+              <a:t>-y) loss </a:t>
+            </a:r>
+            <a:r>
+              <a:rPr lang="zh-TW" altLang="en-US" sz="2200" b="0" i="0" u="none" strike="noStrike" cap="none" dirty="0">
+                <a:latin typeface="Helvetica Neue"/>
+                <a:ea typeface="Helvetica Neue"/>
+                <a:cs typeface="Helvetica Neue"/>
+                <a:sym typeface="Helvetica Neue"/>
+              </a:rPr>
+              <a:t>就是</a:t>
+            </a:r>
+            <a:r>
+              <a:rPr lang="en-US" altLang="zh-TW" sz="2200" b="0" i="0" u="none" strike="noStrike" cap="none" dirty="0">
+                <a:latin typeface="Helvetica Neue"/>
+                <a:ea typeface="Helvetica Neue"/>
+                <a:cs typeface="Helvetica Neue"/>
+                <a:sym typeface="Helvetica Neue"/>
+              </a:rPr>
+              <a:t>s^2(</a:t>
+            </a:r>
+            <a:r>
+              <a:rPr lang="zh-TW" altLang="en-US" sz="2200" b="0" i="0" u="none" strike="noStrike" cap="none" dirty="0">
+                <a:latin typeface="Helvetica Neue"/>
+                <a:ea typeface="Helvetica Neue"/>
+                <a:cs typeface="Helvetica Neue"/>
+                <a:sym typeface="Helvetica Neue"/>
+              </a:rPr>
+              <a:t>平方</a:t>
+            </a:r>
+            <a:r>
+              <a:rPr lang="en-US" altLang="zh-TW" sz="2200" b="0" i="0" u="none" strike="noStrike" cap="none">
+                <a:latin typeface="Helvetica Neue"/>
+                <a:ea typeface="Helvetica Neue"/>
+                <a:cs typeface="Helvetica Neue"/>
+                <a:sym typeface="Helvetica Neue"/>
+              </a:rPr>
+              <a:t>)</a:t>
+            </a:r>
+            <a:endParaRPr lang="en" sz="2200" b="0" i="0" u="none" strike="noStrike" cap="none" dirty="0">
+              <a:latin typeface="Helvetica Neue"/>
+              <a:ea typeface="Helvetica Neue"/>
+              <a:cs typeface="Helvetica Neue"/>
+              <a:sym typeface="Helvetica Neue"/>
+            </a:endParaRPr>
+          </a:p>
+          <a:p>
+            <a:pPr marL="0" marR="0" lvl="0" indent="0" algn="l" rtl="0">
+              <a:lnSpc>
+                <a:spcPct val="117999"/>
+              </a:lnSpc>
+              <a:spcBef>
+                <a:spcPts val="0"/>
+              </a:spcBef>
+              <a:spcAft>
+                <a:spcPts val="0"/>
+              </a:spcAft>
+              <a:buNone/>
+            </a:pPr>
+            <a:endParaRPr lang="en" sz="2200" b="0" i="0" u="none" strike="noStrike" cap="none" dirty="0">
+              <a:latin typeface="Helvetica Neue"/>
+              <a:ea typeface="Helvetica Neue"/>
+              <a:cs typeface="Helvetica Neue"/>
+              <a:sym typeface="Helvetica Neue"/>
+            </a:endParaRPr>
+          </a:p>
+          <a:p>
+            <a:pPr marL="0" marR="0" lvl="0" indent="0" algn="l" rtl="0">
+              <a:lnSpc>
+                <a:spcPct val="117999"/>
+              </a:lnSpc>
+              <a:spcBef>
+                <a:spcPts val="0"/>
+              </a:spcBef>
+              <a:spcAft>
+                <a:spcPts val="0"/>
+              </a:spcAft>
+              <a:buNone/>
+            </a:pPr>
+            <a:r>
+              <a:rPr lang="en" sz="2200" b="0" i="0" u="none" strike="noStrike" cap="none" dirty="0">
                 <a:latin typeface="Helvetica Neue"/>
                 <a:ea typeface="Helvetica Neue"/>
                 <a:cs typeface="Helvetica Neue"/>
@@ -2949,7 +3219,7 @@
               </a:rPr>
               <a:t>\frac{\partial{\hat{y}-y}}{\partial{\hat{y}}}=1</a:t>
             </a:r>
-            <a:endParaRPr/>
+            <a:endParaRPr dirty="0"/>
           </a:p>
           <a:p>
             <a:pPr marL="0" marR="0" lvl="0" indent="0" algn="l" rtl="0">
@@ -2965,7 +3235,7 @@
               <a:buNone/>
             </a:pPr>
             <a:r>
-              <a:rPr lang="en" sz="2200" b="0" i="0" u="none" strike="noStrike" cap="none">
+              <a:rPr lang="en" sz="2200" b="0" i="0" u="none" strike="noStrike" cap="none" dirty="0">
                 <a:latin typeface="Helvetica Neue"/>
                 <a:ea typeface="Helvetica Neue"/>
                 <a:cs typeface="Helvetica Neue"/>
@@ -2973,7 +3243,7 @@
               </a:rPr>
               <a:t>\frac{\partial{loss}}{\partial{s}}=2s=-2</a:t>
             </a:r>
-            <a:endParaRPr/>
+            <a:endParaRPr dirty="0"/>
           </a:p>
           <a:p>
             <a:pPr marL="0" marR="0" lvl="0" indent="0" algn="l" rtl="0">
@@ -2989,7 +3259,7 @@
               <a:buNone/>
             </a:pPr>
             <a:r>
-              <a:rPr lang="en" sz="2200" b="0" i="0" u="none" strike="noStrike" cap="none">
+              <a:rPr lang="en" sz="2200" b="0" i="0" u="none" strike="noStrike" cap="none" dirty="0">
                 <a:latin typeface="Helvetica Neue"/>
                 <a:ea typeface="Helvetica Neue"/>
                 <a:cs typeface="Helvetica Neue"/>
@@ -2997,7 +3267,7 @@
               </a:rPr>
               <a:t>—-</a:t>
             </a:r>
-            <a:endParaRPr/>
+            <a:endParaRPr dirty="0"/>
           </a:p>
           <a:p>
             <a:pPr marL="0" marR="0" lvl="0" indent="0" algn="l" rtl="0">
@@ -3013,7 +3283,7 @@
               <a:buNone/>
             </a:pPr>
             <a:r>
-              <a:rPr lang="en" sz="2200" b="0" i="0" u="none" strike="noStrike" cap="none">
+              <a:rPr lang="en" sz="2200" b="0" i="0" u="none" strike="noStrike" cap="none" dirty="0">
                 <a:latin typeface="Helvetica Neue"/>
                 <a:ea typeface="Helvetica Neue"/>
                 <a:cs typeface="Helvetica Neue"/>
@@ -3021,7 +3291,7 @@
               </a:rPr>
               <a:t>\frac{\partial{loss}}{\partial{\hat{y}}}</a:t>
             </a:r>
-            <a:endParaRPr/>
+            <a:endParaRPr dirty="0"/>
           </a:p>
           <a:p>
             <a:pPr marL="0" marR="0" lvl="0" indent="0" algn="l" rtl="0">
@@ -3037,7 +3307,7 @@
               <a:buNone/>
             </a:pPr>
             <a:r>
-              <a:rPr lang="en" sz="2200" b="0" i="0" u="none" strike="noStrike" cap="none">
+              <a:rPr lang="en" sz="2200" b="0" i="0" u="none" strike="noStrike" cap="none" dirty="0">
                 <a:latin typeface="Helvetica Neue"/>
                 <a:ea typeface="Helvetica Neue"/>
                 <a:cs typeface="Helvetica Neue"/>
@@ -3045,7 +3315,7 @@
               </a:rPr>
               <a:t>=</a:t>
             </a:r>
-            <a:endParaRPr/>
+            <a:endParaRPr dirty="0"/>
           </a:p>
           <a:p>
             <a:pPr marL="0" marR="0" lvl="0" indent="0" algn="l" rtl="0">
@@ -3061,7 +3331,7 @@
               <a:buNone/>
             </a:pPr>
             <a:r>
-              <a:rPr lang="en" sz="2200" b="0" i="0" u="none" strike="noStrike" cap="none">
+              <a:rPr lang="en" sz="2200" b="0" i="0" u="none" strike="noStrike" cap="none" dirty="0">
                 <a:latin typeface="Helvetica Neue"/>
                 <a:ea typeface="Helvetica Neue"/>
                 <a:cs typeface="Helvetica Neue"/>
@@ -3069,7 +3339,7 @@
               </a:rPr>
               <a:t>\frac{\partial{loss}}{\partial{s}}</a:t>
             </a:r>
-            <a:endParaRPr/>
+            <a:endParaRPr dirty="0"/>
           </a:p>
           <a:p>
             <a:pPr marL="0" marR="0" lvl="0" indent="0" algn="l" rtl="0">
@@ -3085,7 +3355,7 @@
               <a:buNone/>
             </a:pPr>
             <a:r>
-              <a:rPr lang="en" sz="2200" b="0" i="0" u="none" strike="noStrike" cap="none">
+              <a:rPr lang="en" sz="2200" b="0" i="0" u="none" strike="noStrike" cap="none" dirty="0">
                 <a:latin typeface="Helvetica Neue"/>
                 <a:ea typeface="Helvetica Neue"/>
                 <a:cs typeface="Helvetica Neue"/>
@@ -3093,7 +3363,7 @@
               </a:rPr>
               <a:t>\frac{\partial{s}}{\partial{\hat{y}}}</a:t>
             </a:r>
-            <a:endParaRPr/>
+            <a:endParaRPr dirty="0"/>
           </a:p>
           <a:p>
             <a:pPr marL="0" marR="0" lvl="0" indent="0" algn="l" rtl="0">
@@ -3109,7 +3379,7 @@
               <a:buNone/>
             </a:pPr>
             <a:r>
-              <a:rPr lang="en" sz="2200" b="0" i="0" u="none" strike="noStrike" cap="none">
+              <a:rPr lang="en" sz="2200" b="0" i="0" u="none" strike="noStrike" cap="none" dirty="0">
                 <a:latin typeface="Helvetica Neue"/>
                 <a:ea typeface="Helvetica Neue"/>
                 <a:cs typeface="Helvetica Neue"/>
@@ -3117,7 +3387,7 @@
               </a:rPr>
               <a:t>=-2*1=-2</a:t>
             </a:r>
-            <a:endParaRPr/>
+            <a:endParaRPr dirty="0"/>
           </a:p>
           <a:p>
             <a:pPr marL="0" marR="0" lvl="0" indent="0" algn="l" rtl="0">
@@ -3133,7 +3403,7 @@
               <a:buNone/>
             </a:pPr>
             <a:r>
-              <a:rPr lang="en" sz="2200" b="0" i="0" u="none" strike="noStrike" cap="none">
+              <a:rPr lang="en" sz="2200" b="0" i="0" u="none" strike="noStrike" cap="none" dirty="0">
                 <a:latin typeface="Helvetica Neue"/>
                 <a:ea typeface="Helvetica Neue"/>
                 <a:cs typeface="Helvetica Neue"/>
@@ -3141,7 +3411,7 @@
               </a:rPr>
               <a:t>—-</a:t>
             </a:r>
-            <a:endParaRPr/>
+            <a:endParaRPr dirty="0"/>
           </a:p>
           <a:p>
             <a:pPr marL="0" marR="0" lvl="0" indent="0" algn="l" rtl="0">
@@ -3156,7 +3426,7 @@
               </a:spcAft>
               <a:buNone/>
             </a:pPr>
-            <a:endParaRPr sz="2200" b="0" i="0" u="none" strike="noStrike" cap="none">
+            <a:endParaRPr sz="2200" b="0" i="0" u="none" strike="noStrike" cap="none" dirty="0">
               <a:latin typeface="Helvetica Neue"/>
               <a:ea typeface="Helvetica Neue"/>
               <a:cs typeface="Helvetica Neue"/>
